--- a/SE4920/Projects/Midterm/Midterm_Mazza.pptx
+++ b/SE4920/Projects/Midterm/Midterm_Mazza.pptx
@@ -1696,6 +1696,13 @@
         </dgm:presLayoutVars>
       </dgm:prSet>
       <dgm:spPr/>
+      <dgm:t>
+        <a:bodyPr/>
+        <a:lstStyle/>
+        <a:p>
+          <a:endParaRPr lang="en-US"/>
+        </a:p>
+      </dgm:t>
     </dgm:pt>
     <dgm:pt modelId="{7B711E86-20B4-D34F-8FAF-8C4067470A54}" type="pres">
       <dgm:prSet presAssocID="{C681A511-CBDF-384E-9612-F25AC877609F}" presName="compNode" presStyleCnt="0"/>
@@ -1704,10 +1711,24 @@
     <dgm:pt modelId="{68EF9B5E-654F-F948-8439-748E7D6BD94E}" type="pres">
       <dgm:prSet presAssocID="{C681A511-CBDF-384E-9612-F25AC877609F}" presName="aNode" presStyleLbl="bgShp" presStyleIdx="0" presStyleCnt="5"/>
       <dgm:spPr/>
+      <dgm:t>
+        <a:bodyPr/>
+        <a:lstStyle/>
+        <a:p>
+          <a:endParaRPr lang="en-US"/>
+        </a:p>
+      </dgm:t>
     </dgm:pt>
     <dgm:pt modelId="{6100D487-8AF0-674D-B677-10CD940762DA}" type="pres">
       <dgm:prSet presAssocID="{C681A511-CBDF-384E-9612-F25AC877609F}" presName="textNode" presStyleLbl="bgShp" presStyleIdx="0" presStyleCnt="5"/>
       <dgm:spPr/>
+      <dgm:t>
+        <a:bodyPr/>
+        <a:lstStyle/>
+        <a:p>
+          <a:endParaRPr lang="en-US"/>
+        </a:p>
+      </dgm:t>
     </dgm:pt>
     <dgm:pt modelId="{FF8FAD1D-CD8D-EC4C-97DD-A68DB474154F}" type="pres">
       <dgm:prSet presAssocID="{C681A511-CBDF-384E-9612-F25AC877609F}" presName="compChildNode" presStyleCnt="0"/>
@@ -1724,6 +1745,13 @@
         </dgm:presLayoutVars>
       </dgm:prSet>
       <dgm:spPr/>
+      <dgm:t>
+        <a:bodyPr/>
+        <a:lstStyle/>
+        <a:p>
+          <a:endParaRPr lang="en-US"/>
+        </a:p>
+      </dgm:t>
     </dgm:pt>
     <dgm:pt modelId="{1DD9931C-088D-D34C-9B3C-5D1E34878F6C}" type="pres">
       <dgm:prSet presAssocID="{DEA95E20-EB35-DC49-8464-446EB415C530}" presName="aSpace2" presStyleCnt="0"/>
@@ -1736,6 +1764,13 @@
         </dgm:presLayoutVars>
       </dgm:prSet>
       <dgm:spPr/>
+      <dgm:t>
+        <a:bodyPr/>
+        <a:lstStyle/>
+        <a:p>
+          <a:endParaRPr lang="en-US"/>
+        </a:p>
+      </dgm:t>
     </dgm:pt>
     <dgm:pt modelId="{794205C9-D1C9-4E49-8678-D5E5AB821EFA}" type="pres">
       <dgm:prSet presAssocID="{C681A511-CBDF-384E-9612-F25AC877609F}" presName="aSpace" presStyleCnt="0"/>
@@ -1748,10 +1783,24 @@
     <dgm:pt modelId="{C961C442-DA2D-E14E-9374-1814C9971305}" type="pres">
       <dgm:prSet presAssocID="{AA8A8C1A-3B28-2146-B598-51BFC1C92722}" presName="aNode" presStyleLbl="bgShp" presStyleIdx="1" presStyleCnt="5"/>
       <dgm:spPr/>
+      <dgm:t>
+        <a:bodyPr/>
+        <a:lstStyle/>
+        <a:p>
+          <a:endParaRPr lang="en-US"/>
+        </a:p>
+      </dgm:t>
     </dgm:pt>
     <dgm:pt modelId="{0A10A472-7CAE-B54A-9BCD-A37F6DA1459B}" type="pres">
       <dgm:prSet presAssocID="{AA8A8C1A-3B28-2146-B598-51BFC1C92722}" presName="textNode" presStyleLbl="bgShp" presStyleIdx="1" presStyleCnt="5"/>
       <dgm:spPr/>
+      <dgm:t>
+        <a:bodyPr/>
+        <a:lstStyle/>
+        <a:p>
+          <a:endParaRPr lang="en-US"/>
+        </a:p>
+      </dgm:t>
     </dgm:pt>
     <dgm:pt modelId="{3645B9EF-0A54-A548-80DF-D4B9C05E02B7}" type="pres">
       <dgm:prSet presAssocID="{AA8A8C1A-3B28-2146-B598-51BFC1C92722}" presName="compChildNode" presStyleCnt="0"/>
@@ -1768,6 +1817,13 @@
         </dgm:presLayoutVars>
       </dgm:prSet>
       <dgm:spPr/>
+      <dgm:t>
+        <a:bodyPr/>
+        <a:lstStyle/>
+        <a:p>
+          <a:endParaRPr lang="en-US"/>
+        </a:p>
+      </dgm:t>
     </dgm:pt>
     <dgm:pt modelId="{3C1988FE-D43E-194A-90F0-8FF09F54FBCC}" type="pres">
       <dgm:prSet presAssocID="{AA8A8C1A-3B28-2146-B598-51BFC1C92722}" presName="aSpace" presStyleCnt="0"/>
@@ -1780,10 +1836,24 @@
     <dgm:pt modelId="{30CE5EA7-CCA7-BD43-AC7A-3FAC68AD565D}" type="pres">
       <dgm:prSet presAssocID="{2EFAE540-E106-9044-B774-965CC0D84279}" presName="aNode" presStyleLbl="bgShp" presStyleIdx="2" presStyleCnt="5"/>
       <dgm:spPr/>
+      <dgm:t>
+        <a:bodyPr/>
+        <a:lstStyle/>
+        <a:p>
+          <a:endParaRPr lang="en-US"/>
+        </a:p>
+      </dgm:t>
     </dgm:pt>
     <dgm:pt modelId="{E06AF7CD-D308-294B-95DB-DF9A560F402C}" type="pres">
       <dgm:prSet presAssocID="{2EFAE540-E106-9044-B774-965CC0D84279}" presName="textNode" presStyleLbl="bgShp" presStyleIdx="2" presStyleCnt="5"/>
       <dgm:spPr/>
+      <dgm:t>
+        <a:bodyPr/>
+        <a:lstStyle/>
+        <a:p>
+          <a:endParaRPr lang="en-US"/>
+        </a:p>
+      </dgm:t>
     </dgm:pt>
     <dgm:pt modelId="{33D829C1-EF32-3F4B-B33B-5DA55CF45CDA}" type="pres">
       <dgm:prSet presAssocID="{2EFAE540-E106-9044-B774-965CC0D84279}" presName="compChildNode" presStyleCnt="0"/>
@@ -1800,6 +1870,13 @@
         </dgm:presLayoutVars>
       </dgm:prSet>
       <dgm:spPr/>
+      <dgm:t>
+        <a:bodyPr/>
+        <a:lstStyle/>
+        <a:p>
+          <a:endParaRPr lang="en-US"/>
+        </a:p>
+      </dgm:t>
     </dgm:pt>
     <dgm:pt modelId="{099A633A-4C6A-8F4C-855A-B94112958976}" type="pres">
       <dgm:prSet presAssocID="{73C3E957-0D88-F540-8453-75E2EC864B3F}" presName="aSpace2" presStyleCnt="0"/>
@@ -1812,6 +1889,13 @@
         </dgm:presLayoutVars>
       </dgm:prSet>
       <dgm:spPr/>
+      <dgm:t>
+        <a:bodyPr/>
+        <a:lstStyle/>
+        <a:p>
+          <a:endParaRPr lang="en-US"/>
+        </a:p>
+      </dgm:t>
     </dgm:pt>
     <dgm:pt modelId="{721782B2-0A08-5B47-B3C7-BD271E9F5DA1}" type="pres">
       <dgm:prSet presAssocID="{2EFAE540-E106-9044-B774-965CC0D84279}" presName="aSpace" presStyleCnt="0"/>
@@ -1824,10 +1908,24 @@
     <dgm:pt modelId="{5C8B1464-0AA6-0C41-9CC1-E0CB99B3C61C}" type="pres">
       <dgm:prSet presAssocID="{2B47373F-AB66-C444-A452-C1894F3AB4D4}" presName="aNode" presStyleLbl="bgShp" presStyleIdx="3" presStyleCnt="5"/>
       <dgm:spPr/>
+      <dgm:t>
+        <a:bodyPr/>
+        <a:lstStyle/>
+        <a:p>
+          <a:endParaRPr lang="en-US"/>
+        </a:p>
+      </dgm:t>
     </dgm:pt>
     <dgm:pt modelId="{8787715D-C70A-144A-BA6D-2EBB73258920}" type="pres">
       <dgm:prSet presAssocID="{2B47373F-AB66-C444-A452-C1894F3AB4D4}" presName="textNode" presStyleLbl="bgShp" presStyleIdx="3" presStyleCnt="5"/>
       <dgm:spPr/>
+      <dgm:t>
+        <a:bodyPr/>
+        <a:lstStyle/>
+        <a:p>
+          <a:endParaRPr lang="en-US"/>
+        </a:p>
+      </dgm:t>
     </dgm:pt>
     <dgm:pt modelId="{993D17A1-1DB8-1848-8060-BA8FB930781F}" type="pres">
       <dgm:prSet presAssocID="{2B47373F-AB66-C444-A452-C1894F3AB4D4}" presName="compChildNode" presStyleCnt="0"/>
@@ -1844,6 +1942,13 @@
         </dgm:presLayoutVars>
       </dgm:prSet>
       <dgm:spPr/>
+      <dgm:t>
+        <a:bodyPr/>
+        <a:lstStyle/>
+        <a:p>
+          <a:endParaRPr lang="en-US"/>
+        </a:p>
+      </dgm:t>
     </dgm:pt>
     <dgm:pt modelId="{287B0D4D-F066-0B4A-9118-10EF6015436F}" type="pres">
       <dgm:prSet presAssocID="{8B17D6A3-5564-DC43-BEF9-5A675819A8C2}" presName="aSpace2" presStyleCnt="0"/>
@@ -1856,6 +1961,13 @@
         </dgm:presLayoutVars>
       </dgm:prSet>
       <dgm:spPr/>
+      <dgm:t>
+        <a:bodyPr/>
+        <a:lstStyle/>
+        <a:p>
+          <a:endParaRPr lang="en-US"/>
+        </a:p>
+      </dgm:t>
     </dgm:pt>
     <dgm:pt modelId="{D37AF50B-A30A-3A45-B280-911EE5D1F20E}" type="pres">
       <dgm:prSet presAssocID="{7EE1FBBB-C41F-D543-AA96-840D78F6047E}" presName="aSpace2" presStyleCnt="0"/>
@@ -1868,6 +1980,13 @@
         </dgm:presLayoutVars>
       </dgm:prSet>
       <dgm:spPr/>
+      <dgm:t>
+        <a:bodyPr/>
+        <a:lstStyle/>
+        <a:p>
+          <a:endParaRPr lang="en-US"/>
+        </a:p>
+      </dgm:t>
     </dgm:pt>
     <dgm:pt modelId="{2721F199-A137-7D46-9B69-4CFFCDB57461}" type="pres">
       <dgm:prSet presAssocID="{2B47373F-AB66-C444-A452-C1894F3AB4D4}" presName="aSpace" presStyleCnt="0"/>
@@ -1880,10 +1999,24 @@
     <dgm:pt modelId="{00AFD2FB-58B2-E746-A207-5E4D6ABB814E}" type="pres">
       <dgm:prSet presAssocID="{6DC73155-6EFF-8F47-BC41-60C9C102C350}" presName="aNode" presStyleLbl="bgShp" presStyleIdx="4" presStyleCnt="5"/>
       <dgm:spPr/>
+      <dgm:t>
+        <a:bodyPr/>
+        <a:lstStyle/>
+        <a:p>
+          <a:endParaRPr lang="en-US"/>
+        </a:p>
+      </dgm:t>
     </dgm:pt>
     <dgm:pt modelId="{92B77BE6-E062-A646-A815-BBF751264561}" type="pres">
       <dgm:prSet presAssocID="{6DC73155-6EFF-8F47-BC41-60C9C102C350}" presName="textNode" presStyleLbl="bgShp" presStyleIdx="4" presStyleCnt="5"/>
       <dgm:spPr/>
+      <dgm:t>
+        <a:bodyPr/>
+        <a:lstStyle/>
+        <a:p>
+          <a:endParaRPr lang="en-US"/>
+        </a:p>
+      </dgm:t>
     </dgm:pt>
     <dgm:pt modelId="{E5C9C037-DAC5-C546-8B74-48D5DE5F7249}" type="pres">
       <dgm:prSet presAssocID="{6DC73155-6EFF-8F47-BC41-60C9C102C350}" presName="compChildNode" presStyleCnt="0"/>
@@ -1900,6 +2033,13 @@
         </dgm:presLayoutVars>
       </dgm:prSet>
       <dgm:spPr/>
+      <dgm:t>
+        <a:bodyPr/>
+        <a:lstStyle/>
+        <a:p>
+          <a:endParaRPr lang="en-US"/>
+        </a:p>
+      </dgm:t>
     </dgm:pt>
     <dgm:pt modelId="{9184B7B2-B57F-4E49-B5CE-172EF65F3763}" type="pres">
       <dgm:prSet presAssocID="{02DD4929-6C1A-8543-B469-5512589921BF}" presName="aSpace2" presStyleCnt="0"/>
@@ -1912,6 +2052,13 @@
         </dgm:presLayoutVars>
       </dgm:prSet>
       <dgm:spPr/>
+      <dgm:t>
+        <a:bodyPr/>
+        <a:lstStyle/>
+        <a:p>
+          <a:endParaRPr lang="en-US"/>
+        </a:p>
+      </dgm:t>
     </dgm:pt>
     <dgm:pt modelId="{C49DAD1E-AC37-EF4B-98B9-E569E88C9B68}" type="pres">
       <dgm:prSet presAssocID="{70235741-1869-3743-A700-F67BB0CD3175}" presName="aSpace2" presStyleCnt="0"/>
@@ -1924,6 +2071,13 @@
         </dgm:presLayoutVars>
       </dgm:prSet>
       <dgm:spPr/>
+      <dgm:t>
+        <a:bodyPr/>
+        <a:lstStyle/>
+        <a:p>
+          <a:endParaRPr lang="en-US"/>
+        </a:p>
+      </dgm:t>
     </dgm:pt>
     <dgm:pt modelId="{C1030E83-0AAD-8A4D-A0D5-D6C0738778AA}" type="pres">
       <dgm:prSet presAssocID="{3061484F-F148-964B-B48E-8C0F16B4AFD9}" presName="aSpace2" presStyleCnt="0"/>
@@ -1936,49 +2090,56 @@
         </dgm:presLayoutVars>
       </dgm:prSet>
       <dgm:spPr/>
+      <dgm:t>
+        <a:bodyPr/>
+        <a:lstStyle/>
+        <a:p>
+          <a:endParaRPr lang="en-US"/>
+        </a:p>
+      </dgm:t>
     </dgm:pt>
   </dgm:ptLst>
   <dgm:cxnLst>
-    <dgm:cxn modelId="{A8C963C5-8D73-884B-8285-BACD5A3C8BE4}" type="presOf" srcId="{AA8A8C1A-3B28-2146-B598-51BFC1C92722}" destId="{C961C442-DA2D-E14E-9374-1814C9971305}" srcOrd="0" destOrd="0" presId="urn:microsoft.com/office/officeart/2005/8/layout/lProcess2"/>
-    <dgm:cxn modelId="{836B07DA-E5BF-404F-B928-B39DAC5F199B}" type="presOf" srcId="{70235741-1869-3743-A700-F67BB0CD3175}" destId="{0FBE7FD5-6AA0-DD40-B3F0-4E0B36BD1F6C}" srcOrd="0" destOrd="0" presId="urn:microsoft.com/office/officeart/2005/8/layout/lProcess2"/>
-    <dgm:cxn modelId="{7E7E556D-A593-7E43-BEED-10C33AA617E1}" srcId="{775D5807-A4E6-6240-BD23-34742B430AAA}" destId="{6DC73155-6EFF-8F47-BC41-60C9C102C350}" srcOrd="4" destOrd="0" parTransId="{EAF5F7F8-06BE-3F4D-B344-8F38F35FF2DD}" sibTransId="{952D1498-1CFB-C149-A5DC-DBCCD51C5051}"/>
-    <dgm:cxn modelId="{DC01D3E4-FEDA-F54C-8130-D8FAC41CBEA3}" srcId="{C681A511-CBDF-384E-9612-F25AC877609F}" destId="{DEA95E20-EB35-DC49-8464-446EB415C530}" srcOrd="0" destOrd="0" parTransId="{CBF90B95-1FCC-F747-AB38-8A6D121FF3E7}" sibTransId="{185910A7-D768-9946-A02E-6654779AEE87}"/>
-    <dgm:cxn modelId="{A07BAD03-6008-764C-9662-DC83C1217ED8}" srcId="{6DC73155-6EFF-8F47-BC41-60C9C102C350}" destId="{70235741-1869-3743-A700-F67BB0CD3175}" srcOrd="1" destOrd="0" parTransId="{BAC9D6ED-D59A-1642-AEF7-E5049C11BBC6}" sibTransId="{F7820A89-F903-F84F-8142-B28F698629DB}"/>
-    <dgm:cxn modelId="{651CE4DF-3146-0A47-BCBA-2D32F559A28D}" srcId="{6DC73155-6EFF-8F47-BC41-60C9C102C350}" destId="{02DD4929-6C1A-8543-B469-5512589921BF}" srcOrd="0" destOrd="0" parTransId="{7B5C58D7-565F-0C46-8941-949552377D9A}" sibTransId="{E3611DFD-C930-1A42-90F0-0F583D4E5096}"/>
-    <dgm:cxn modelId="{C5E35E82-C3AF-FD48-8D84-89BB5BC8EFC3}" type="presOf" srcId="{6DC73155-6EFF-8F47-BC41-60C9C102C350}" destId="{00AFD2FB-58B2-E746-A207-5E4D6ABB814E}" srcOrd="0" destOrd="0" presId="urn:microsoft.com/office/officeart/2005/8/layout/lProcess2"/>
     <dgm:cxn modelId="{E7BD3592-F705-464E-B528-7BCE10CF2C57}" srcId="{775D5807-A4E6-6240-BD23-34742B430AAA}" destId="{C681A511-CBDF-384E-9612-F25AC877609F}" srcOrd="0" destOrd="0" parTransId="{8D2122E5-8DFC-634A-A2CD-AF581B4E1420}" sibTransId="{68CBAE26-83F0-E343-8D14-878C2F7A5117}"/>
-    <dgm:cxn modelId="{268BB2A9-F583-0C4A-8B2D-CCFCB8C7F1DB}" srcId="{775D5807-A4E6-6240-BD23-34742B430AAA}" destId="{2B47373F-AB66-C444-A452-C1894F3AB4D4}" srcOrd="3" destOrd="0" parTransId="{38CBAD61-3B2F-B448-8534-480ECC549423}" sibTransId="{6BC46D9A-72E8-BF46-936C-84947435EBCF}"/>
-    <dgm:cxn modelId="{D8DCE05D-C784-B949-9681-178824C0EF9C}" type="presOf" srcId="{2B47373F-AB66-C444-A452-C1894F3AB4D4}" destId="{8787715D-C70A-144A-BA6D-2EBB73258920}" srcOrd="1" destOrd="0" presId="urn:microsoft.com/office/officeart/2005/8/layout/lProcess2"/>
+    <dgm:cxn modelId="{B76A5AD9-2557-F743-ACAB-9FEDB20B1FFE}" srcId="{C681A511-CBDF-384E-9612-F25AC877609F}" destId="{43444930-2599-6043-A9A5-226D9577E198}" srcOrd="1" destOrd="0" parTransId="{6B50711E-FBFC-004F-8786-5275DCD668F9}" sibTransId="{E94B9855-9A80-E64C-A19F-7D375E7BEC3A}"/>
     <dgm:cxn modelId="{F2B6DB83-74C8-A44C-B16A-B4B3FFF10086}" type="presOf" srcId="{2B47373F-AB66-C444-A452-C1894F3AB4D4}" destId="{5C8B1464-0AA6-0C41-9CC1-E0CB99B3C61C}" srcOrd="0" destOrd="0" presId="urn:microsoft.com/office/officeart/2005/8/layout/lProcess2"/>
     <dgm:cxn modelId="{CBAD3B34-6BBF-2B4A-8359-7A8A8FFF4A8D}" srcId="{775D5807-A4E6-6240-BD23-34742B430AAA}" destId="{2EFAE540-E106-9044-B774-965CC0D84279}" srcOrd="2" destOrd="0" parTransId="{3155E8E5-A423-284C-8D3B-D1ED663FD350}" sibTransId="{3EC63290-F9CE-3F45-9876-F49B3AA52AA9}"/>
+    <dgm:cxn modelId="{683CFBBC-B011-234A-8325-B17A757CDF4F}" type="presOf" srcId="{DAC0113C-83F4-F34F-B732-5B0DC1FCC3C0}" destId="{80FF3115-41E3-DD4C-9EC5-7319E443310C}" srcOrd="0" destOrd="0" presId="urn:microsoft.com/office/officeart/2005/8/layout/lProcess2"/>
+    <dgm:cxn modelId="{232957BB-E625-4542-94BF-BE49640B8370}" type="presOf" srcId="{7BD7E46C-15CD-2244-BF86-9E76302186FD}" destId="{D235C0B3-B1E0-B84D-9F40-48DD28E7E865}" srcOrd="0" destOrd="0" presId="urn:microsoft.com/office/officeart/2005/8/layout/lProcess2"/>
+    <dgm:cxn modelId="{8F9D59EA-8AAB-C346-B99C-D64FDA890AF2}" type="presOf" srcId="{8B17D6A3-5564-DC43-BEF9-5A675819A8C2}" destId="{8E6A84C5-1407-8D41-9C64-07A286D94F5E}" srcOrd="0" destOrd="0" presId="urn:microsoft.com/office/officeart/2005/8/layout/lProcess2"/>
+    <dgm:cxn modelId="{27A49282-BBB5-7544-BAB3-DEDA930D2C69}" type="presOf" srcId="{C681A511-CBDF-384E-9612-F25AC877609F}" destId="{6100D487-8AF0-674D-B677-10CD940762DA}" srcOrd="1" destOrd="0" presId="urn:microsoft.com/office/officeart/2005/8/layout/lProcess2"/>
+    <dgm:cxn modelId="{CD9846B5-515A-674D-A951-A52327DAC06B}" srcId="{2B47373F-AB66-C444-A452-C1894F3AB4D4}" destId="{7EE1FBBB-C41F-D543-AA96-840D78F6047E}" srcOrd="1" destOrd="0" parTransId="{8CCB2D7B-6C16-CD4F-9BF2-E0B4EC314B86}" sibTransId="{71E77234-788D-A142-8B55-CA4F84FFD044}"/>
+    <dgm:cxn modelId="{3AAF22E4-46F6-DC46-865F-B98F839D7218}" type="presOf" srcId="{DEA95E20-EB35-DC49-8464-446EB415C530}" destId="{6A61BC0C-2985-D749-A85E-E54E5B014F09}" srcOrd="0" destOrd="0" presId="urn:microsoft.com/office/officeart/2005/8/layout/lProcess2"/>
+    <dgm:cxn modelId="{3A3833F9-FFAF-0F45-A089-B3EF94961870}" type="presOf" srcId="{C681A511-CBDF-384E-9612-F25AC877609F}" destId="{68EF9B5E-654F-F948-8439-748E7D6BD94E}" srcOrd="0" destOrd="0" presId="urn:microsoft.com/office/officeart/2005/8/layout/lProcess2"/>
+    <dgm:cxn modelId="{7E7E556D-A593-7E43-BEED-10C33AA617E1}" srcId="{775D5807-A4E6-6240-BD23-34742B430AAA}" destId="{6DC73155-6EFF-8F47-BC41-60C9C102C350}" srcOrd="4" destOrd="0" parTransId="{EAF5F7F8-06BE-3F4D-B344-8F38F35FF2DD}" sibTransId="{952D1498-1CFB-C149-A5DC-DBCCD51C5051}"/>
+    <dgm:cxn modelId="{C5E35E82-C3AF-FD48-8D84-89BB5BC8EFC3}" type="presOf" srcId="{6DC73155-6EFF-8F47-BC41-60C9C102C350}" destId="{00AFD2FB-58B2-E746-A207-5E4D6ABB814E}" srcOrd="0" destOrd="0" presId="urn:microsoft.com/office/officeart/2005/8/layout/lProcess2"/>
+    <dgm:cxn modelId="{A8C963C5-8D73-884B-8285-BACD5A3C8BE4}" type="presOf" srcId="{AA8A8C1A-3B28-2146-B598-51BFC1C92722}" destId="{C961C442-DA2D-E14E-9374-1814C9971305}" srcOrd="0" destOrd="0" presId="urn:microsoft.com/office/officeart/2005/8/layout/lProcess2"/>
+    <dgm:cxn modelId="{2BBF17D0-A689-514B-98B5-D2D4727A7394}" type="presOf" srcId="{2EFAE540-E106-9044-B774-965CC0D84279}" destId="{E06AF7CD-D308-294B-95DB-DF9A560F402C}" srcOrd="1" destOrd="0" presId="urn:microsoft.com/office/officeart/2005/8/layout/lProcess2"/>
+    <dgm:cxn modelId="{170125D7-92BC-464D-9BA7-60396423661B}" srcId="{6DC73155-6EFF-8F47-BC41-60C9C102C350}" destId="{3061484F-F148-964B-B48E-8C0F16B4AFD9}" srcOrd="2" destOrd="0" parTransId="{A8EE4910-0755-BA40-9317-8717C70C137D}" sibTransId="{53BCA1B5-1E02-C642-B36C-4DC4A80EB05B}"/>
     <dgm:cxn modelId="{3F630823-D33D-3148-A097-2F139F84BA9E}" srcId="{6DC73155-6EFF-8F47-BC41-60C9C102C350}" destId="{D7C9D36C-D9C7-444E-9411-9FAE3D1F2EFB}" srcOrd="3" destOrd="0" parTransId="{0A75C403-6414-BB49-80C4-0C63EC021FD9}" sibTransId="{CDE03990-530E-FE48-8664-C3E217F31F12}"/>
-    <dgm:cxn modelId="{CD9846B5-515A-674D-A951-A52327DAC06B}" srcId="{2B47373F-AB66-C444-A452-C1894F3AB4D4}" destId="{7EE1FBBB-C41F-D543-AA96-840D78F6047E}" srcOrd="1" destOrd="0" parTransId="{8CCB2D7B-6C16-CD4F-9BF2-E0B4EC314B86}" sibTransId="{71E77234-788D-A142-8B55-CA4F84FFD044}"/>
+    <dgm:cxn modelId="{A07BAD03-6008-764C-9662-DC83C1217ED8}" srcId="{6DC73155-6EFF-8F47-BC41-60C9C102C350}" destId="{70235741-1869-3743-A700-F67BB0CD3175}" srcOrd="1" destOrd="0" parTransId="{BAC9D6ED-D59A-1642-AEF7-E5049C11BBC6}" sibTransId="{F7820A89-F903-F84F-8142-B28F698629DB}"/>
+    <dgm:cxn modelId="{4EDA5F15-8576-2B40-9AD1-495EFA4C3794}" type="presOf" srcId="{7E6D565B-1FCC-F244-8058-930B8592012D}" destId="{B56F9092-9F4C-A64C-9C68-7F379BBED10E}" srcOrd="0" destOrd="0" presId="urn:microsoft.com/office/officeart/2005/8/layout/lProcess2"/>
+    <dgm:cxn modelId="{D8DCE05D-C784-B949-9681-178824C0EF9C}" type="presOf" srcId="{2B47373F-AB66-C444-A452-C1894F3AB4D4}" destId="{8787715D-C70A-144A-BA6D-2EBB73258920}" srcOrd="1" destOrd="0" presId="urn:microsoft.com/office/officeart/2005/8/layout/lProcess2"/>
+    <dgm:cxn modelId="{02154460-2541-9044-A82E-1304972645F7}" srcId="{2EFAE540-E106-9044-B774-965CC0D84279}" destId="{73C3E957-0D88-F540-8453-75E2EC864B3F}" srcOrd="0" destOrd="0" parTransId="{FB52AC05-A2D1-774E-80BD-18725FC1BE9C}" sibTransId="{4453DA7C-395D-CE46-ADF4-70984BCA35DB}"/>
+    <dgm:cxn modelId="{268BB2A9-F583-0C4A-8B2D-CCFCB8C7F1DB}" srcId="{775D5807-A4E6-6240-BD23-34742B430AAA}" destId="{2B47373F-AB66-C444-A452-C1894F3AB4D4}" srcOrd="3" destOrd="0" parTransId="{38CBAD61-3B2F-B448-8534-480ECC549423}" sibTransId="{6BC46D9A-72E8-BF46-936C-84947435EBCF}"/>
+    <dgm:cxn modelId="{BD08DD20-6FBC-5B4E-B668-2A41DF5C6C4E}" srcId="{775D5807-A4E6-6240-BD23-34742B430AAA}" destId="{AA8A8C1A-3B28-2146-B598-51BFC1C92722}" srcOrd="1" destOrd="0" parTransId="{8051E121-1675-CC43-BDFD-C20B656C18DB}" sibTransId="{3DA61FDE-CE06-9946-B69C-9BE522658445}"/>
+    <dgm:cxn modelId="{836B07DA-E5BF-404F-B928-B39DAC5F199B}" type="presOf" srcId="{70235741-1869-3743-A700-F67BB0CD3175}" destId="{0FBE7FD5-6AA0-DD40-B3F0-4E0B36BD1F6C}" srcOrd="0" destOrd="0" presId="urn:microsoft.com/office/officeart/2005/8/layout/lProcess2"/>
     <dgm:cxn modelId="{2F8E27D9-2977-6140-A773-39EAA4E3EE36}" type="presOf" srcId="{43444930-2599-6043-A9A5-226D9577E198}" destId="{23EDC736-281F-B346-9370-74F8A08CDFE4}" srcOrd="0" destOrd="0" presId="urn:microsoft.com/office/officeart/2005/8/layout/lProcess2"/>
+    <dgm:cxn modelId="{651CE4DF-3146-0A47-BCBA-2D32F559A28D}" srcId="{6DC73155-6EFF-8F47-BC41-60C9C102C350}" destId="{02DD4929-6C1A-8543-B469-5512589921BF}" srcOrd="0" destOrd="0" parTransId="{7B5C58D7-565F-0C46-8941-949552377D9A}" sibTransId="{E3611DFD-C930-1A42-90F0-0F583D4E5096}"/>
+    <dgm:cxn modelId="{EC2C4945-9780-E048-8394-6D268BD1790A}" type="presOf" srcId="{3061484F-F148-964B-B48E-8C0F16B4AFD9}" destId="{27335EED-1C8E-5E49-BA91-34B054CC881A}" srcOrd="0" destOrd="0" presId="urn:microsoft.com/office/officeart/2005/8/layout/lProcess2"/>
+    <dgm:cxn modelId="{FD182FAB-833D-5C44-B282-195B866C2720}" type="presOf" srcId="{73C3E957-0D88-F540-8453-75E2EC864B3F}" destId="{E8665F0F-02C4-A34D-968D-3FFAF45B809B}" srcOrd="0" destOrd="0" presId="urn:microsoft.com/office/officeart/2005/8/layout/lProcess2"/>
+    <dgm:cxn modelId="{97606311-1718-EC41-A3A1-3CB65AE05C18}" srcId="{AA8A8C1A-3B28-2146-B598-51BFC1C92722}" destId="{DAC0113C-83F4-F34F-B732-5B0DC1FCC3C0}" srcOrd="0" destOrd="0" parTransId="{853A262D-0DC3-874B-AC96-601385F37AF6}" sibTransId="{AB087E0A-C9DE-D24B-800F-322450E966F5}"/>
+    <dgm:cxn modelId="{03C12730-A35B-C14E-A33F-7E15A007B585}" type="presOf" srcId="{6DC73155-6EFF-8F47-BC41-60C9C102C350}" destId="{92B77BE6-E062-A646-A815-BBF751264561}" srcOrd="1" destOrd="0" presId="urn:microsoft.com/office/officeart/2005/8/layout/lProcess2"/>
     <dgm:cxn modelId="{D01C6BB6-CD37-9643-9E90-FFEEAC0E1595}" type="presOf" srcId="{7EE1FBBB-C41F-D543-AA96-840D78F6047E}" destId="{181DACD5-842D-8247-8EB8-D53C7D968E93}" srcOrd="0" destOrd="0" presId="urn:microsoft.com/office/officeart/2005/8/layout/lProcess2"/>
+    <dgm:cxn modelId="{EAE3A325-C201-2143-A468-A9AABF56C4F7}" srcId="{2EFAE540-E106-9044-B774-965CC0D84279}" destId="{7BD7E46C-15CD-2244-BF86-9E76302186FD}" srcOrd="1" destOrd="0" parTransId="{60D91C0C-534F-A54B-95EC-8DA3ABC4681A}" sibTransId="{5E5D468C-8BBD-4145-85DB-67ECA8DE684D}"/>
+    <dgm:cxn modelId="{422FF97C-AA80-814B-B1A2-5BDD8317700A}" type="presOf" srcId="{D7C9D36C-D9C7-444E-9411-9FAE3D1F2EFB}" destId="{341CF2AC-B576-E14B-955F-E568E63E4D4A}" srcOrd="0" destOrd="0" presId="urn:microsoft.com/office/officeart/2005/8/layout/lProcess2"/>
+    <dgm:cxn modelId="{3E661BEF-EFD8-5D41-B6D3-AB04B3D76E14}" type="presOf" srcId="{02DD4929-6C1A-8543-B469-5512589921BF}" destId="{42D67201-E5B6-4940-808B-946CE1F25C3E}" srcOrd="0" destOrd="0" presId="urn:microsoft.com/office/officeart/2005/8/layout/lProcess2"/>
+    <dgm:cxn modelId="{DC01D3E4-FEDA-F54C-8130-D8FAC41CBEA3}" srcId="{C681A511-CBDF-384E-9612-F25AC877609F}" destId="{DEA95E20-EB35-DC49-8464-446EB415C530}" srcOrd="0" destOrd="0" parTransId="{CBF90B95-1FCC-F747-AB38-8A6D121FF3E7}" sibTransId="{185910A7-D768-9946-A02E-6654779AEE87}"/>
+    <dgm:cxn modelId="{656B7BE2-E661-E044-A93F-49C75D087673}" type="presOf" srcId="{2EFAE540-E106-9044-B774-965CC0D84279}" destId="{30CE5EA7-CCA7-BD43-AC7A-3FAC68AD565D}" srcOrd="0" destOrd="0" presId="urn:microsoft.com/office/officeart/2005/8/layout/lProcess2"/>
     <dgm:cxn modelId="{4490A297-5C5A-DD4C-B818-6EC75880882B}" type="presOf" srcId="{775D5807-A4E6-6240-BD23-34742B430AAA}" destId="{C33335FE-7DF2-7E44-B24B-D76657CDF4CB}" srcOrd="0" destOrd="0" presId="urn:microsoft.com/office/officeart/2005/8/layout/lProcess2"/>
-    <dgm:cxn modelId="{2BBF17D0-A689-514B-98B5-D2D4727A7394}" type="presOf" srcId="{2EFAE540-E106-9044-B774-965CC0D84279}" destId="{E06AF7CD-D308-294B-95DB-DF9A560F402C}" srcOrd="1" destOrd="0" presId="urn:microsoft.com/office/officeart/2005/8/layout/lProcess2"/>
-    <dgm:cxn modelId="{683CFBBC-B011-234A-8325-B17A757CDF4F}" type="presOf" srcId="{DAC0113C-83F4-F34F-B732-5B0DC1FCC3C0}" destId="{80FF3115-41E3-DD4C-9EC5-7319E443310C}" srcOrd="0" destOrd="0" presId="urn:microsoft.com/office/officeart/2005/8/layout/lProcess2"/>
+    <dgm:cxn modelId="{4CBEA970-DFDA-F34C-B34C-1D203831C6DB}" srcId="{2B47373F-AB66-C444-A452-C1894F3AB4D4}" destId="{8B17D6A3-5564-DC43-BEF9-5A675819A8C2}" srcOrd="0" destOrd="0" parTransId="{9D9CC55C-1789-4946-989F-9E6364498D6F}" sibTransId="{A88997C6-C407-3F44-9567-755BFB7E4628}"/>
     <dgm:cxn modelId="{2A55EF3F-276C-2B48-97EE-D15D0A2338A2}" type="presOf" srcId="{AA8A8C1A-3B28-2146-B598-51BFC1C92722}" destId="{0A10A472-7CAE-B54A-9BCD-A37F6DA1459B}" srcOrd="1" destOrd="0" presId="urn:microsoft.com/office/officeart/2005/8/layout/lProcess2"/>
-    <dgm:cxn modelId="{3AAF22E4-46F6-DC46-865F-B98F839D7218}" type="presOf" srcId="{DEA95E20-EB35-DC49-8464-446EB415C530}" destId="{6A61BC0C-2985-D749-A85E-E54E5B014F09}" srcOrd="0" destOrd="0" presId="urn:microsoft.com/office/officeart/2005/8/layout/lProcess2"/>
-    <dgm:cxn modelId="{03C12730-A35B-C14E-A33F-7E15A007B585}" type="presOf" srcId="{6DC73155-6EFF-8F47-BC41-60C9C102C350}" destId="{92B77BE6-E062-A646-A815-BBF751264561}" srcOrd="1" destOrd="0" presId="urn:microsoft.com/office/officeart/2005/8/layout/lProcess2"/>
-    <dgm:cxn modelId="{BD08DD20-6FBC-5B4E-B668-2A41DF5C6C4E}" srcId="{775D5807-A4E6-6240-BD23-34742B430AAA}" destId="{AA8A8C1A-3B28-2146-B598-51BFC1C92722}" srcOrd="1" destOrd="0" parTransId="{8051E121-1675-CC43-BDFD-C20B656C18DB}" sibTransId="{3DA61FDE-CE06-9946-B69C-9BE522658445}"/>
-    <dgm:cxn modelId="{3A3833F9-FFAF-0F45-A089-B3EF94961870}" type="presOf" srcId="{C681A511-CBDF-384E-9612-F25AC877609F}" destId="{68EF9B5E-654F-F948-8439-748E7D6BD94E}" srcOrd="0" destOrd="0" presId="urn:microsoft.com/office/officeart/2005/8/layout/lProcess2"/>
-    <dgm:cxn modelId="{97606311-1718-EC41-A3A1-3CB65AE05C18}" srcId="{AA8A8C1A-3B28-2146-B598-51BFC1C92722}" destId="{DAC0113C-83F4-F34F-B732-5B0DC1FCC3C0}" srcOrd="0" destOrd="0" parTransId="{853A262D-0DC3-874B-AC96-601385F37AF6}" sibTransId="{AB087E0A-C9DE-D24B-800F-322450E966F5}"/>
-    <dgm:cxn modelId="{EAE3A325-C201-2143-A468-A9AABF56C4F7}" srcId="{2EFAE540-E106-9044-B774-965CC0D84279}" destId="{7BD7E46C-15CD-2244-BF86-9E76302186FD}" srcOrd="1" destOrd="0" parTransId="{60D91C0C-534F-A54B-95EC-8DA3ABC4681A}" sibTransId="{5E5D468C-8BBD-4145-85DB-67ECA8DE684D}"/>
-    <dgm:cxn modelId="{4EDA5F15-8576-2B40-9AD1-495EFA4C3794}" type="presOf" srcId="{7E6D565B-1FCC-F244-8058-930B8592012D}" destId="{B56F9092-9F4C-A64C-9C68-7F379BBED10E}" srcOrd="0" destOrd="0" presId="urn:microsoft.com/office/officeart/2005/8/layout/lProcess2"/>
-    <dgm:cxn modelId="{4CBEA970-DFDA-F34C-B34C-1D203831C6DB}" srcId="{2B47373F-AB66-C444-A452-C1894F3AB4D4}" destId="{8B17D6A3-5564-DC43-BEF9-5A675819A8C2}" srcOrd="0" destOrd="0" parTransId="{9D9CC55C-1789-4946-989F-9E6364498D6F}" sibTransId="{A88997C6-C407-3F44-9567-755BFB7E4628}"/>
-    <dgm:cxn modelId="{656B7BE2-E661-E044-A93F-49C75D087673}" type="presOf" srcId="{2EFAE540-E106-9044-B774-965CC0D84279}" destId="{30CE5EA7-CCA7-BD43-AC7A-3FAC68AD565D}" srcOrd="0" destOrd="0" presId="urn:microsoft.com/office/officeart/2005/8/layout/lProcess2"/>
-    <dgm:cxn modelId="{27A49282-BBB5-7544-BAB3-DEDA930D2C69}" type="presOf" srcId="{C681A511-CBDF-384E-9612-F25AC877609F}" destId="{6100D487-8AF0-674D-B677-10CD940762DA}" srcOrd="1" destOrd="0" presId="urn:microsoft.com/office/officeart/2005/8/layout/lProcess2"/>
     <dgm:cxn modelId="{957E3EE6-CF1C-B545-804D-E929A8C7C6F9}" srcId="{2B47373F-AB66-C444-A452-C1894F3AB4D4}" destId="{7E6D565B-1FCC-F244-8058-930B8592012D}" srcOrd="2" destOrd="0" parTransId="{AD01383C-7E70-5E4A-99B1-8574ED183207}" sibTransId="{8BE8AEA4-19A2-0942-8C4B-C2FE598E3F05}"/>
-    <dgm:cxn modelId="{FD182FAB-833D-5C44-B282-195B866C2720}" type="presOf" srcId="{73C3E957-0D88-F540-8453-75E2EC864B3F}" destId="{E8665F0F-02C4-A34D-968D-3FFAF45B809B}" srcOrd="0" destOrd="0" presId="urn:microsoft.com/office/officeart/2005/8/layout/lProcess2"/>
-    <dgm:cxn modelId="{EC2C4945-9780-E048-8394-6D268BD1790A}" type="presOf" srcId="{3061484F-F148-964B-B48E-8C0F16B4AFD9}" destId="{27335EED-1C8E-5E49-BA91-34B054CC881A}" srcOrd="0" destOrd="0" presId="urn:microsoft.com/office/officeart/2005/8/layout/lProcess2"/>
-    <dgm:cxn modelId="{02154460-2541-9044-A82E-1304972645F7}" srcId="{2EFAE540-E106-9044-B774-965CC0D84279}" destId="{73C3E957-0D88-F540-8453-75E2EC864B3F}" srcOrd="0" destOrd="0" parTransId="{FB52AC05-A2D1-774E-80BD-18725FC1BE9C}" sibTransId="{4453DA7C-395D-CE46-ADF4-70984BCA35DB}"/>
-    <dgm:cxn modelId="{8F9D59EA-8AAB-C346-B99C-D64FDA890AF2}" type="presOf" srcId="{8B17D6A3-5564-DC43-BEF9-5A675819A8C2}" destId="{8E6A84C5-1407-8D41-9C64-07A286D94F5E}" srcOrd="0" destOrd="0" presId="urn:microsoft.com/office/officeart/2005/8/layout/lProcess2"/>
-    <dgm:cxn modelId="{3E661BEF-EFD8-5D41-B6D3-AB04B3D76E14}" type="presOf" srcId="{02DD4929-6C1A-8543-B469-5512589921BF}" destId="{42D67201-E5B6-4940-808B-946CE1F25C3E}" srcOrd="0" destOrd="0" presId="urn:microsoft.com/office/officeart/2005/8/layout/lProcess2"/>
-    <dgm:cxn modelId="{232957BB-E625-4542-94BF-BE49640B8370}" type="presOf" srcId="{7BD7E46C-15CD-2244-BF86-9E76302186FD}" destId="{D235C0B3-B1E0-B84D-9F40-48DD28E7E865}" srcOrd="0" destOrd="0" presId="urn:microsoft.com/office/officeart/2005/8/layout/lProcess2"/>
-    <dgm:cxn modelId="{170125D7-92BC-464D-9BA7-60396423661B}" srcId="{6DC73155-6EFF-8F47-BC41-60C9C102C350}" destId="{3061484F-F148-964B-B48E-8C0F16B4AFD9}" srcOrd="2" destOrd="0" parTransId="{A8EE4910-0755-BA40-9317-8717C70C137D}" sibTransId="{53BCA1B5-1E02-C642-B36C-4DC4A80EB05B}"/>
-    <dgm:cxn modelId="{422FF97C-AA80-814B-B1A2-5BDD8317700A}" type="presOf" srcId="{D7C9D36C-D9C7-444E-9411-9FAE3D1F2EFB}" destId="{341CF2AC-B576-E14B-955F-E568E63E4D4A}" srcOrd="0" destOrd="0" presId="urn:microsoft.com/office/officeart/2005/8/layout/lProcess2"/>
-    <dgm:cxn modelId="{B76A5AD9-2557-F743-ACAB-9FEDB20B1FFE}" srcId="{C681A511-CBDF-384E-9612-F25AC877609F}" destId="{43444930-2599-6043-A9A5-226D9577E198}" srcOrd="1" destOrd="0" parTransId="{6B50711E-FBFC-004F-8786-5275DCD668F9}" sibTransId="{E94B9855-9A80-E64C-A19F-7D375E7BEC3A}"/>
     <dgm:cxn modelId="{C5D7A248-3EDE-C54C-9D58-E9133885F785}" type="presParOf" srcId="{C33335FE-7DF2-7E44-B24B-D76657CDF4CB}" destId="{7B711E86-20B4-D34F-8FAF-8C4067470A54}" srcOrd="0" destOrd="0" presId="urn:microsoft.com/office/officeart/2005/8/layout/lProcess2"/>
     <dgm:cxn modelId="{6BAC6BB5-9F0E-C54D-BBF8-B8A7AC2337DB}" type="presParOf" srcId="{7B711E86-20B4-D34F-8FAF-8C4067470A54}" destId="{68EF9B5E-654F-F948-8439-748E7D6BD94E}" srcOrd="0" destOrd="0" presId="urn:microsoft.com/office/officeart/2005/8/layout/lProcess2"/>
     <dgm:cxn modelId="{4E2D7EAC-C26E-A14B-BBC3-71C6DCAC584F}" type="presParOf" srcId="{7B711E86-20B4-D34F-8FAF-8C4067470A54}" destId="{6100D487-8AF0-674D-B677-10CD940762DA}" srcOrd="1" destOrd="0" presId="urn:microsoft.com/office/officeart/2005/8/layout/lProcess2"/>
@@ -13284,12 +13445,14 @@
         </p:nvSpPr>
         <p:spPr/>
         <p:txBody>
-          <a:bodyPr/>
+          <a:bodyPr>
+            <a:normAutofit fontScale="90000"/>
+          </a:bodyPr>
           <a:lstStyle/>
           <a:p>
             <a:r>
               <a:rPr lang="en-US" dirty="0" smtClean="0"/>
-              <a:t>Teardown Project</a:t>
+              <a:t>Stud Sensor Teardown Midterm Project</a:t>
             </a:r>
             <a:endParaRPr lang="en-US" dirty="0"/>
           </a:p>
